--- a/week3/Day 4 - Inferring Causality with Observational Settings.pptx
+++ b/week3/Day 4 - Inferring Causality with Observational Settings.pptx
@@ -6305,8 +6305,8 @@
           </a:p>
         </p:txBody>
       </p:sp>
-      <mc:AlternateContent xmlns:mc="http://schemas.openxmlformats.org/markup-compatibility/2006">
-        <mc:Choice xmlns:a14="http://schemas.microsoft.com/office/drawing/2010/main" Requires="a14">
+      <mc:AlternateContent xmlns:mc="http://schemas.openxmlformats.org/markup-compatibility/2006" xmlns:a14="http://schemas.microsoft.com/office/drawing/2010/main">
+        <mc:Choice Requires="a14">
           <p:sp>
             <p:nvSpPr>
               <p:cNvPr id="3" name="Content Placeholder 2"/>
@@ -6746,7 +6746,7 @@
             </p:txBody>
           </p:sp>
         </mc:Choice>
-        <mc:Fallback>
+        <mc:Fallback xmlns="">
           <p:sp>
             <p:nvSpPr>
               <p:cNvPr id="3" name="Content Placeholder 2"/>
@@ -11216,8 +11216,8 @@
           </a:p>
         </p:txBody>
       </p:sp>
-      <mc:AlternateContent xmlns:mc="http://schemas.openxmlformats.org/markup-compatibility/2006">
-        <mc:Choice xmlns:a14="http://schemas.microsoft.com/office/drawing/2010/main" Requires="a14">
+      <mc:AlternateContent xmlns:mc="http://schemas.openxmlformats.org/markup-compatibility/2006" xmlns:a14="http://schemas.microsoft.com/office/drawing/2010/main">
+        <mc:Choice Requires="a14">
           <p:sp>
             <p:nvSpPr>
               <p:cNvPr id="3" name="Content Placeholder 2"/>
@@ -11742,7 +11742,7 @@
             </p:txBody>
           </p:sp>
         </mc:Choice>
-        <mc:Fallback>
+        <mc:Fallback xmlns="">
           <p:sp>
             <p:nvSpPr>
               <p:cNvPr id="3" name="Content Placeholder 2"/>
@@ -12094,8 +12094,8 @@
           </a:p>
         </p:txBody>
       </p:sp>
-      <mc:AlternateContent xmlns:mc="http://schemas.openxmlformats.org/markup-compatibility/2006">
-        <mc:Choice xmlns:a14="http://schemas.microsoft.com/office/drawing/2010/main" Requires="a14">
+      <mc:AlternateContent xmlns:mc="http://schemas.openxmlformats.org/markup-compatibility/2006" xmlns:a14="http://schemas.microsoft.com/office/drawing/2010/main">
+        <mc:Choice Requires="a14">
           <p:sp>
             <p:nvSpPr>
               <p:cNvPr id="3" name="Content Placeholder 2"/>
@@ -12606,7 +12606,7 @@
             </p:txBody>
           </p:sp>
         </mc:Choice>
-        <mc:Fallback>
+        <mc:Fallback xmlns="">
           <p:sp>
             <p:nvSpPr>
               <p:cNvPr id="3" name="Content Placeholder 2"/>
@@ -22778,8 +22778,8 @@
           </a:p>
         </p:txBody>
       </p:sp>
-      <mc:AlternateContent xmlns:mc="http://schemas.openxmlformats.org/markup-compatibility/2006">
-        <mc:Choice xmlns:a14="http://schemas.microsoft.com/office/drawing/2010/main" Requires="a14">
+      <mc:AlternateContent xmlns:mc="http://schemas.openxmlformats.org/markup-compatibility/2006" xmlns:a14="http://schemas.microsoft.com/office/drawing/2010/main">
+        <mc:Choice Requires="a14">
           <p:sp>
             <p:nvSpPr>
               <p:cNvPr id="3" name="TextBox 2"/>
@@ -23089,7 +23089,7 @@
             </p:txBody>
           </p:sp>
         </mc:Choice>
-        <mc:Fallback>
+        <mc:Fallback xmlns="">
           <p:sp>
             <p:nvSpPr>
               <p:cNvPr id="3" name="TextBox 2"/>
@@ -23816,7 +23816,7 @@
         <p:spPr>
           <a:xfrm>
             <a:off x="747539" y="2159185"/>
-            <a:ext cx="10859334" cy="3970318"/>
+            <a:ext cx="10859334" cy="4247317"/>
           </a:xfrm>
           <a:prstGeom prst="rect">
             <a:avLst/>
@@ -23898,7 +23898,7 @@
             </a:pPr>
             <a:r>
               <a:rPr lang="en-US" dirty="0"/>
-              <a:t>Famous example: Impact of new minimum wage laws.</a:t>
+              <a:t>Famous example: Impact of new minimum wage laws on New Jersey. Use Pennsylvania (no law change) as control (Card and Krueger, 1994).</a:t>
             </a:r>
           </a:p>
           <a:p>
@@ -23968,8 +23968,8 @@
           <a:chExt cx="0" cy="0"/>
         </a:xfrm>
       </p:grpSpPr>
-      <mc:AlternateContent xmlns:mc="http://schemas.openxmlformats.org/markup-compatibility/2006">
-        <mc:Choice xmlns:a14="http://schemas.microsoft.com/office/drawing/2010/main" Requires="a14">
+      <mc:AlternateContent xmlns:mc="http://schemas.openxmlformats.org/markup-compatibility/2006" xmlns:a14="http://schemas.microsoft.com/office/drawing/2010/main">
+        <mc:Choice Requires="a14">
           <p:sp>
             <p:nvSpPr>
               <p:cNvPr id="4" name="Content Placeholder 2"/>
@@ -24468,7 +24468,7 @@
             </p:txBody>
           </p:sp>
         </mc:Choice>
-        <mc:Fallback>
+        <mc:Fallback xmlns="">
           <p:sp>
             <p:nvSpPr>
               <p:cNvPr id="4" name="Content Placeholder 2"/>
@@ -24665,8 +24665,8 @@
           <a:chExt cx="0" cy="0"/>
         </a:xfrm>
       </p:grpSpPr>
-      <mc:AlternateContent xmlns:mc="http://schemas.openxmlformats.org/markup-compatibility/2006">
-        <mc:Choice xmlns:a14="http://schemas.microsoft.com/office/drawing/2010/main" Requires="a14">
+      <mc:AlternateContent xmlns:mc="http://schemas.openxmlformats.org/markup-compatibility/2006" xmlns:a14="http://schemas.microsoft.com/office/drawing/2010/main">
+        <mc:Choice Requires="a14">
           <p:sp>
             <p:nvSpPr>
               <p:cNvPr id="4" name="Content Placeholder 2"/>
@@ -25173,7 +25173,7 @@
             </p:txBody>
           </p:sp>
         </mc:Choice>
-        <mc:Fallback>
+        <mc:Fallback xmlns="">
           <p:sp>
             <p:nvSpPr>
               <p:cNvPr id="4" name="Content Placeholder 2"/>
@@ -25370,8 +25370,8 @@
           <a:chExt cx="0" cy="0"/>
         </a:xfrm>
       </p:grpSpPr>
-      <mc:AlternateContent xmlns:mc="http://schemas.openxmlformats.org/markup-compatibility/2006">
-        <mc:Choice xmlns:a14="http://schemas.microsoft.com/office/drawing/2010/main" Requires="a14">
+      <mc:AlternateContent xmlns:mc="http://schemas.openxmlformats.org/markup-compatibility/2006" xmlns:a14="http://schemas.microsoft.com/office/drawing/2010/main">
+        <mc:Choice Requires="a14">
           <p:sp>
             <p:nvSpPr>
               <p:cNvPr id="4" name="Content Placeholder 2"/>
@@ -25882,7 +25882,7 @@
             </p:txBody>
           </p:sp>
         </mc:Choice>
-        <mc:Fallback>
+        <mc:Fallback xmlns="">
           <p:sp>
             <p:nvSpPr>
               <p:cNvPr id="4" name="Content Placeholder 2"/>
@@ -26079,8 +26079,8 @@
           <a:chExt cx="0" cy="0"/>
         </a:xfrm>
       </p:grpSpPr>
-      <mc:AlternateContent xmlns:mc="http://schemas.openxmlformats.org/markup-compatibility/2006">
-        <mc:Choice xmlns:a14="http://schemas.microsoft.com/office/drawing/2010/main" Requires="a14">
+      <mc:AlternateContent xmlns:mc="http://schemas.openxmlformats.org/markup-compatibility/2006" xmlns:a14="http://schemas.microsoft.com/office/drawing/2010/main">
+        <mc:Choice Requires="a14">
           <p:sp>
             <p:nvSpPr>
               <p:cNvPr id="4" name="Content Placeholder 2"/>
@@ -26587,7 +26587,7 @@
             </p:txBody>
           </p:sp>
         </mc:Choice>
-        <mc:Fallback>
+        <mc:Fallback xmlns="">
           <p:sp>
             <p:nvSpPr>
               <p:cNvPr id="4" name="Content Placeholder 2"/>
